--- a/ANGANWADI AUTOMATIONfirst.pptx
+++ b/ANGANWADI AUTOMATIONfirst.pptx
@@ -11,7 +11,16 @@
     <p:sldId id="259" r:id="rId5"/>
     <p:sldId id="260" r:id="rId6"/>
     <p:sldId id="263" r:id="rId7"/>
-    <p:sldId id="264" r:id="rId8"/>
+    <p:sldId id="265" r:id="rId8"/>
+    <p:sldId id="266" r:id="rId9"/>
+    <p:sldId id="267" r:id="rId10"/>
+    <p:sldId id="268" r:id="rId11"/>
+    <p:sldId id="269" r:id="rId12"/>
+    <p:sldId id="270" r:id="rId13"/>
+    <p:sldId id="271" r:id="rId14"/>
+    <p:sldId id="272" r:id="rId15"/>
+    <p:sldId id="273" r:id="rId16"/>
+    <p:sldId id="264" r:id="rId17"/>
   </p:sldIdLst>
   <p:sldSz cx="9144000" cy="6858000" type="screen4x3"/>
   <p:notesSz cx="6858000" cy="9144000"/>
@@ -404,7 +413,7 @@
             <a:fld id="{5BE7FA60-2754-4E4C-B467-E2F86668590A}" type="datetimeFigureOut">
               <a:rPr lang="en-US" smtClean="0"/>
               <a:pPr/>
-              <a:t>6/22/2022</a:t>
+              <a:t>7/6/2022</a:t>
             </a:fld>
             <a:endParaRPr lang="en-US" dirty="0"/>
           </a:p>
@@ -571,7 +580,7 @@
             <a:fld id="{5BE7FA60-2754-4E4C-B467-E2F86668590A}" type="datetimeFigureOut">
               <a:rPr lang="en-US" smtClean="0"/>
               <a:pPr/>
-              <a:t>6/22/2022</a:t>
+              <a:t>7/6/2022</a:t>
             </a:fld>
             <a:endParaRPr lang="en-US" dirty="0"/>
           </a:p>
@@ -748,7 +757,7 @@
             <a:fld id="{5BE7FA60-2754-4E4C-B467-E2F86668590A}" type="datetimeFigureOut">
               <a:rPr lang="en-US" smtClean="0"/>
               <a:pPr/>
-              <a:t>6/22/2022</a:t>
+              <a:t>7/6/2022</a:t>
             </a:fld>
             <a:endParaRPr lang="en-US" dirty="0"/>
           </a:p>
@@ -897,7 +906,7 @@
             <a:fld id="{5BE7FA60-2754-4E4C-B467-E2F86668590A}" type="datetimeFigureOut">
               <a:rPr lang="en-US" smtClean="0"/>
               <a:pPr/>
-              <a:t>6/22/2022</a:t>
+              <a:t>7/6/2022</a:t>
             </a:fld>
             <a:endParaRPr lang="en-US" dirty="0"/>
           </a:p>
@@ -1016,7 +1025,7 @@
             <a:fld id="{5BE7FA60-2754-4E4C-B467-E2F86668590A}" type="datetimeFigureOut">
               <a:rPr lang="en-US" smtClean="0"/>
               <a:pPr/>
-              <a:t>6/22/2022</a:t>
+              <a:t>7/6/2022</a:t>
             </a:fld>
             <a:endParaRPr lang="en-US" dirty="0"/>
           </a:p>
@@ -1288,7 +1297,7 @@
             <a:fld id="{5BE7FA60-2754-4E4C-B467-E2F86668590A}" type="datetimeFigureOut">
               <a:rPr lang="en-US" smtClean="0"/>
               <a:pPr/>
-              <a:t>6/22/2022</a:t>
+              <a:t>7/6/2022</a:t>
             </a:fld>
             <a:endParaRPr lang="en-US" dirty="0"/>
           </a:p>
@@ -1560,7 +1569,7 @@
             <a:fld id="{5BE7FA60-2754-4E4C-B467-E2F86668590A}" type="datetimeFigureOut">
               <a:rPr lang="en-US" smtClean="0"/>
               <a:pPr/>
-              <a:t>6/22/2022</a:t>
+              <a:t>7/6/2022</a:t>
             </a:fld>
             <a:endParaRPr lang="en-US" dirty="0"/>
           </a:p>
@@ -2008,7 +2017,7 @@
             <a:fld id="{5BE7FA60-2754-4E4C-B467-E2F86668590A}" type="datetimeFigureOut">
               <a:rPr lang="en-US" smtClean="0"/>
               <a:pPr/>
-              <a:t>6/22/2022</a:t>
+              <a:t>7/6/2022</a:t>
             </a:fld>
             <a:endParaRPr lang="en-US" dirty="0"/>
           </a:p>
@@ -2123,7 +2132,7 @@
             <a:fld id="{5BE7FA60-2754-4E4C-B467-E2F86668590A}" type="datetimeFigureOut">
               <a:rPr lang="en-US" smtClean="0"/>
               <a:pPr/>
-              <a:t>6/22/2022</a:t>
+              <a:t>7/6/2022</a:t>
             </a:fld>
             <a:endParaRPr lang="en-US" dirty="0"/>
           </a:p>
@@ -2375,7 +2384,7 @@
             <a:fld id="{5BE7FA60-2754-4E4C-B467-E2F86668590A}" type="datetimeFigureOut">
               <a:rPr lang="en-US" smtClean="0"/>
               <a:pPr/>
-              <a:t>6/22/2022</a:t>
+              <a:t>7/6/2022</a:t>
             </a:fld>
             <a:endParaRPr lang="en-US" dirty="0"/>
           </a:p>
@@ -2617,7 +2626,7 @@
             <a:fld id="{5BE7FA60-2754-4E4C-B467-E2F86668590A}" type="datetimeFigureOut">
               <a:rPr lang="en-US" smtClean="0"/>
               <a:pPr/>
-              <a:t>6/22/2022</a:t>
+              <a:t>7/6/2022</a:t>
             </a:fld>
             <a:endParaRPr lang="en-US" dirty="0"/>
           </a:p>
@@ -2792,7 +2801,7 @@
             <a:fld id="{5BE7FA60-2754-4E4C-B467-E2F86668590A}" type="datetimeFigureOut">
               <a:rPr lang="en-US" smtClean="0"/>
               <a:pPr/>
-              <a:t>6/22/2022</a:t>
+              <a:t>7/6/2022</a:t>
             </a:fld>
             <a:endParaRPr lang="en-US" dirty="0"/>
           </a:p>
@@ -3357,18 +3366,7 @@
                 </a:solidFill>
                 <a:latin typeface="Lucida Fax" pitchFamily="18" charset="0"/>
               </a:rPr>
-              <a:t>ANGANWADI </a:t>
-            </a:r>
-            <a:r>
-              <a:rPr sz="4400" smtClean="0">
-                <a:solidFill>
-                  <a:schemeClr val="accent2">
-                    <a:lumMod val="50000"/>
-                  </a:schemeClr>
-                </a:solidFill>
-                <a:latin typeface="Lucida Fax" pitchFamily="18" charset="0"/>
-              </a:rPr>
-              <a:t>MANAGEMENT SYSTEM</a:t>
+              <a:t>ANGANWADI MANAGEMENT SYSTEM</a:t>
             </a:r>
             <a:endParaRPr lang="en-US" sz="4400" dirty="0">
               <a:solidFill>
@@ -3386,6 +3384,445 @@
   <p:clrMapOvr>
     <a:masterClrMapping/>
   </p:clrMapOvr>
+</p:sld>
+</file>
+
+<file path=ppt/slides/slide10.xml><?xml version="1.0" encoding="utf-8"?>
+<p:sld xmlns:a="http://schemas.openxmlformats.org/drawingml/2006/main" xmlns:r="http://schemas.openxmlformats.org/officeDocument/2006/relationships" xmlns:p="http://schemas.openxmlformats.org/presentationml/2006/main">
+  <p:cSld>
+    <p:spTree>
+      <p:nvGrpSpPr>
+        <p:cNvPr id="1" name=""/>
+        <p:cNvGrpSpPr/>
+        <p:nvPr/>
+      </p:nvGrpSpPr>
+      <p:grpSpPr>
+        <a:xfrm>
+          <a:off x="0" y="0"/>
+          <a:ext cx="0" cy="0"/>
+          <a:chOff x="0" y="0"/>
+          <a:chExt cx="0" cy="0"/>
+        </a:xfrm>
+      </p:grpSpPr>
+      <p:pic>
+        <p:nvPicPr>
+          <p:cNvPr id="6" name="Content Placeholder 5" descr="110.jpeg"/>
+          <p:cNvPicPr>
+            <a:picLocks noGrp="1" noChangeAspect="1"/>
+          </p:cNvPicPr>
+          <p:nvPr>
+            <p:ph idx="1"/>
+          </p:nvPr>
+        </p:nvPicPr>
+        <p:blipFill>
+          <a:blip r:embed="rId2"/>
+          <a:stretch>
+            <a:fillRect/>
+          </a:stretch>
+        </p:blipFill>
+        <p:spPr>
+          <a:xfrm>
+            <a:off x="928662" y="785794"/>
+            <a:ext cx="2832211" cy="5357829"/>
+          </a:xfrm>
+        </p:spPr>
+      </p:pic>
+      <p:pic>
+        <p:nvPicPr>
+          <p:cNvPr id="7" name="Picture 6" descr="111.jpeg"/>
+          <p:cNvPicPr>
+            <a:picLocks noChangeAspect="1"/>
+          </p:cNvPicPr>
+          <p:nvPr/>
+        </p:nvPicPr>
+        <p:blipFill>
+          <a:blip r:embed="rId3"/>
+          <a:stretch>
+            <a:fillRect/>
+          </a:stretch>
+        </p:blipFill>
+        <p:spPr>
+          <a:xfrm>
+            <a:off x="4714876" y="785794"/>
+            <a:ext cx="2928958" cy="5357850"/>
+          </a:xfrm>
+          <a:prstGeom prst="rect">
+            <a:avLst/>
+          </a:prstGeom>
+        </p:spPr>
+      </p:pic>
+    </p:spTree>
+  </p:cSld>
+  <p:clrMapOvr>
+    <a:masterClrMapping/>
+  </p:clrMapOvr>
+</p:sld>
+</file>
+
+<file path=ppt/slides/slide11.xml><?xml version="1.0" encoding="utf-8"?>
+<p:sld xmlns:a="http://schemas.openxmlformats.org/drawingml/2006/main" xmlns:r="http://schemas.openxmlformats.org/officeDocument/2006/relationships" xmlns:p="http://schemas.openxmlformats.org/presentationml/2006/main">
+  <p:cSld>
+    <p:spTree>
+      <p:nvGrpSpPr>
+        <p:cNvPr id="1" name=""/>
+        <p:cNvGrpSpPr/>
+        <p:nvPr/>
+      </p:nvGrpSpPr>
+      <p:grpSpPr>
+        <a:xfrm>
+          <a:off x="0" y="0"/>
+          <a:ext cx="0" cy="0"/>
+          <a:chOff x="0" y="0"/>
+          <a:chExt cx="0" cy="0"/>
+        </a:xfrm>
+      </p:grpSpPr>
+      <p:sp>
+        <p:nvSpPr>
+          <p:cNvPr id="2" name="Content Placeholder 1"/>
+          <p:cNvSpPr>
+            <a:spLocks noGrp="1"/>
+          </p:cNvSpPr>
+          <p:nvPr>
+            <p:ph idx="1"/>
+          </p:nvPr>
+        </p:nvSpPr>
+        <p:spPr>
+          <a:xfrm>
+            <a:off x="457200" y="357166"/>
+            <a:ext cx="8229600" cy="5738834"/>
+          </a:xfrm>
+        </p:spPr>
+        <p:txBody>
+          <a:bodyPr>
+            <a:normAutofit/>
+          </a:bodyPr>
+          <a:lstStyle/>
+          <a:p>
+            <a:pPr>
+              <a:buNone/>
+            </a:pPr>
+            <a:r>
+              <a:rPr lang="en-US" sz="2000" u="sng" dirty="0" smtClean="0"/>
+              <a:t>WEB PAGES</a:t>
+            </a:r>
+          </a:p>
+          <a:p>
+            <a:pPr>
+              <a:buNone/>
+            </a:pPr>
+            <a:endParaRPr lang="en-US" sz="2000" u="sng" dirty="0" smtClean="0"/>
+          </a:p>
+          <a:p>
+            <a:pPr>
+              <a:buNone/>
+            </a:pPr>
+            <a:endParaRPr lang="en-US" sz="2000" u="sng" dirty="0"/>
+          </a:p>
+        </p:txBody>
+      </p:sp>
+      <p:pic>
+        <p:nvPicPr>
+          <p:cNvPr id="4" name="Picture 3" descr="Screenshot (321).png"/>
+          <p:cNvPicPr>
+            <a:picLocks noChangeAspect="1"/>
+          </p:cNvPicPr>
+          <p:nvPr/>
+        </p:nvPicPr>
+        <p:blipFill>
+          <a:blip r:embed="rId2"/>
+          <a:stretch>
+            <a:fillRect/>
+          </a:stretch>
+        </p:blipFill>
+        <p:spPr>
+          <a:xfrm>
+            <a:off x="714348" y="858505"/>
+            <a:ext cx="7715304" cy="5140990"/>
+          </a:xfrm>
+          <a:prstGeom prst="rect">
+            <a:avLst/>
+          </a:prstGeom>
+        </p:spPr>
+      </p:pic>
+    </p:spTree>
+  </p:cSld>
+  <p:clrMapOvr>
+    <a:masterClrMapping/>
+  </p:clrMapOvr>
+</p:sld>
+</file>
+
+<file path=ppt/slides/slide12.xml><?xml version="1.0" encoding="utf-8"?>
+<p:sld xmlns:a="http://schemas.openxmlformats.org/drawingml/2006/main" xmlns:r="http://schemas.openxmlformats.org/officeDocument/2006/relationships" xmlns:p="http://schemas.openxmlformats.org/presentationml/2006/main">
+  <p:cSld>
+    <p:spTree>
+      <p:nvGrpSpPr>
+        <p:cNvPr id="1" name=""/>
+        <p:cNvGrpSpPr/>
+        <p:nvPr/>
+      </p:nvGrpSpPr>
+      <p:grpSpPr>
+        <a:xfrm>
+          <a:off x="0" y="0"/>
+          <a:ext cx="0" cy="0"/>
+          <a:chOff x="0" y="0"/>
+          <a:chExt cx="0" cy="0"/>
+        </a:xfrm>
+      </p:grpSpPr>
+      <p:pic>
+        <p:nvPicPr>
+          <p:cNvPr id="4" name="Content Placeholder 3" descr="Screenshot (320).png"/>
+          <p:cNvPicPr>
+            <a:picLocks noGrp="1" noChangeAspect="1"/>
+          </p:cNvPicPr>
+          <p:nvPr>
+            <p:ph idx="1"/>
+          </p:nvPr>
+        </p:nvPicPr>
+        <p:blipFill>
+          <a:blip r:embed="rId2"/>
+          <a:stretch>
+            <a:fillRect/>
+          </a:stretch>
+        </p:blipFill>
+        <p:spPr>
+          <a:xfrm>
+            <a:off x="457200" y="913148"/>
+            <a:ext cx="8229600" cy="4626891"/>
+          </a:xfrm>
+        </p:spPr>
+      </p:pic>
+    </p:spTree>
+  </p:cSld>
+  <p:clrMapOvr>
+    <a:masterClrMapping/>
+  </p:clrMapOvr>
+</p:sld>
+</file>
+
+<file path=ppt/slides/slide13.xml><?xml version="1.0" encoding="utf-8"?>
+<p:sld xmlns:a="http://schemas.openxmlformats.org/drawingml/2006/main" xmlns:r="http://schemas.openxmlformats.org/officeDocument/2006/relationships" xmlns:p="http://schemas.openxmlformats.org/presentationml/2006/main">
+  <p:cSld>
+    <p:spTree>
+      <p:nvGrpSpPr>
+        <p:cNvPr id="1" name=""/>
+        <p:cNvGrpSpPr/>
+        <p:nvPr/>
+      </p:nvGrpSpPr>
+      <p:grpSpPr>
+        <a:xfrm>
+          <a:off x="0" y="0"/>
+          <a:ext cx="0" cy="0"/>
+          <a:chOff x="0" y="0"/>
+          <a:chExt cx="0" cy="0"/>
+        </a:xfrm>
+      </p:grpSpPr>
+      <p:pic>
+        <p:nvPicPr>
+          <p:cNvPr id="4" name="Content Placeholder 3" descr="Screenshot (322).png"/>
+          <p:cNvPicPr>
+            <a:picLocks noGrp="1" noChangeAspect="1"/>
+          </p:cNvPicPr>
+          <p:nvPr>
+            <p:ph idx="1"/>
+          </p:nvPr>
+        </p:nvPicPr>
+        <p:blipFill>
+          <a:blip r:embed="rId2"/>
+          <a:stretch>
+            <a:fillRect/>
+          </a:stretch>
+        </p:blipFill>
+        <p:spPr>
+          <a:xfrm>
+            <a:off x="457200" y="1115555"/>
+            <a:ext cx="8229600" cy="4885213"/>
+          </a:xfrm>
+        </p:spPr>
+      </p:pic>
+    </p:spTree>
+  </p:cSld>
+  <p:clrMapOvr>
+    <a:masterClrMapping/>
+  </p:clrMapOvr>
+</p:sld>
+</file>
+
+<file path=ppt/slides/slide14.xml><?xml version="1.0" encoding="utf-8"?>
+<p:sld xmlns:a="http://schemas.openxmlformats.org/drawingml/2006/main" xmlns:r="http://schemas.openxmlformats.org/officeDocument/2006/relationships" xmlns:p="http://schemas.openxmlformats.org/presentationml/2006/main">
+  <p:cSld>
+    <p:spTree>
+      <p:nvGrpSpPr>
+        <p:cNvPr id="1" name=""/>
+        <p:cNvGrpSpPr/>
+        <p:nvPr/>
+      </p:nvGrpSpPr>
+      <p:grpSpPr>
+        <a:xfrm>
+          <a:off x="0" y="0"/>
+          <a:ext cx="0" cy="0"/>
+          <a:chOff x="0" y="0"/>
+          <a:chExt cx="0" cy="0"/>
+        </a:xfrm>
+      </p:grpSpPr>
+      <p:pic>
+        <p:nvPicPr>
+          <p:cNvPr id="4" name="Content Placeholder 3" descr="Screenshot (327).png"/>
+          <p:cNvPicPr>
+            <a:picLocks noGrp="1" noChangeAspect="1"/>
+          </p:cNvPicPr>
+          <p:nvPr>
+            <p:ph idx="1"/>
+          </p:nvPr>
+        </p:nvPicPr>
+        <p:blipFill>
+          <a:blip r:embed="rId2"/>
+          <a:stretch>
+            <a:fillRect/>
+          </a:stretch>
+        </p:blipFill>
+        <p:spPr>
+          <a:xfrm>
+            <a:off x="457200" y="1115555"/>
+            <a:ext cx="8229600" cy="4626891"/>
+          </a:xfrm>
+        </p:spPr>
+      </p:pic>
+    </p:spTree>
+  </p:cSld>
+  <p:clrMapOvr>
+    <a:masterClrMapping/>
+  </p:clrMapOvr>
+</p:sld>
+</file>
+
+<file path=ppt/slides/slide15.xml><?xml version="1.0" encoding="utf-8"?>
+<p:sld xmlns:a="http://schemas.openxmlformats.org/drawingml/2006/main" xmlns:r="http://schemas.openxmlformats.org/officeDocument/2006/relationships" xmlns:p="http://schemas.openxmlformats.org/presentationml/2006/main">
+  <p:cSld>
+    <p:spTree>
+      <p:nvGrpSpPr>
+        <p:cNvPr id="1" name=""/>
+        <p:cNvGrpSpPr/>
+        <p:nvPr/>
+      </p:nvGrpSpPr>
+      <p:grpSpPr>
+        <a:xfrm>
+          <a:off x="0" y="0"/>
+          <a:ext cx="0" cy="0"/>
+          <a:chOff x="0" y="0"/>
+          <a:chExt cx="0" cy="0"/>
+        </a:xfrm>
+      </p:grpSpPr>
+      <p:pic>
+        <p:nvPicPr>
+          <p:cNvPr id="4" name="Content Placeholder 3" descr="Screenshot (328).png"/>
+          <p:cNvPicPr>
+            <a:picLocks noGrp="1" noChangeAspect="1"/>
+          </p:cNvPicPr>
+          <p:nvPr>
+            <p:ph idx="1"/>
+          </p:nvPr>
+        </p:nvPicPr>
+        <p:blipFill>
+          <a:blip r:embed="rId2"/>
+          <a:stretch>
+            <a:fillRect/>
+          </a:stretch>
+        </p:blipFill>
+        <p:spPr>
+          <a:xfrm>
+            <a:off x="457200" y="1079836"/>
+            <a:ext cx="8229600" cy="4626891"/>
+          </a:xfrm>
+        </p:spPr>
+      </p:pic>
+    </p:spTree>
+  </p:cSld>
+  <p:clrMapOvr>
+    <a:masterClrMapping/>
+  </p:clrMapOvr>
+</p:sld>
+</file>
+
+<file path=ppt/slides/slide16.xml><?xml version="1.0" encoding="utf-8"?>
+<p:sld xmlns:a="http://schemas.openxmlformats.org/drawingml/2006/main" xmlns:r="http://schemas.openxmlformats.org/officeDocument/2006/relationships" xmlns:p="http://schemas.openxmlformats.org/presentationml/2006/main">
+  <p:cSld>
+    <p:spTree>
+      <p:nvGrpSpPr>
+        <p:cNvPr id="1" name=""/>
+        <p:cNvGrpSpPr/>
+        <p:nvPr/>
+      </p:nvGrpSpPr>
+      <p:grpSpPr>
+        <a:xfrm>
+          <a:off x="0" y="0"/>
+          <a:ext cx="0" cy="0"/>
+          <a:chOff x="0" y="0"/>
+          <a:chExt cx="0" cy="0"/>
+        </a:xfrm>
+      </p:grpSpPr>
+      <p:sp>
+        <p:nvSpPr>
+          <p:cNvPr id="3" name="Title 2"/>
+          <p:cNvSpPr>
+            <a:spLocks noGrp="1"/>
+          </p:cNvSpPr>
+          <p:nvPr>
+            <p:ph type="title"/>
+          </p:nvPr>
+        </p:nvSpPr>
+        <p:spPr>
+          <a:xfrm>
+            <a:off x="457200" y="152400"/>
+            <a:ext cx="8229600" cy="4633922"/>
+          </a:xfrm>
+        </p:spPr>
+        <p:txBody>
+          <a:bodyPr/>
+          <a:lstStyle/>
+          <a:p>
+            <a:r>
+              <a:rPr smtClean="0">
+                <a:solidFill>
+                  <a:schemeClr val="accent2">
+                    <a:lumMod val="50000"/>
+                  </a:schemeClr>
+                </a:solidFill>
+              </a:rPr>
+              <a:t>                                        </a:t>
+            </a:r>
+            <a:r>
+              <a:rPr sz="4500" smtClean="0">
+                <a:solidFill>
+                  <a:schemeClr val="accent2">
+                    <a:lumMod val="50000"/>
+                  </a:schemeClr>
+                </a:solidFill>
+              </a:rPr>
+              <a:t>THANK YOU</a:t>
+            </a:r>
+            <a:endParaRPr lang="en-US" sz="4500" dirty="0">
+              <a:solidFill>
+                <a:schemeClr val="accent2">
+                  <a:lumMod val="50000"/>
+                </a:schemeClr>
+              </a:solidFill>
+            </a:endParaRPr>
+          </a:p>
+        </p:txBody>
+      </p:sp>
+    </p:spTree>
+  </p:cSld>
+  <p:clrMapOvr>
+    <a:masterClrMapping/>
+  </p:clrMapOvr>
+  <p:timing>
+    <p:tnLst>
+      <p:par>
+        <p:cTn id="1" dur="indefinite" restart="never" nodeType="tmRoot"/>
+      </p:par>
+    </p:tnLst>
+  </p:timing>
 </p:sld>
 </file>
 
@@ -3424,7 +3861,7 @@
         </p:spPr>
         <p:txBody>
           <a:bodyPr>
-            <a:normAutofit fontScale="77500" lnSpcReduction="20000"/>
+            <a:normAutofit fontScale="85000" lnSpcReduction="20000"/>
           </a:bodyPr>
           <a:lstStyle/>
           <a:p>
@@ -3433,15 +3870,7 @@
             </a:pPr>
             <a:r>
               <a:rPr lang="en-US" dirty="0" smtClean="0"/>
-              <a:t>    Integrated child development services(ICDS) is a government program in India which provide food,preschool education, primary health care,immunization,health check-up and other services. This scheme was launched in 1975.Aganavadi Automation is </a:t>
-            </a:r>
-            <a:r>
-              <a:rPr lang="en-US" smtClean="0"/>
-              <a:t>a android </a:t>
-            </a:r>
-            <a:r>
-              <a:rPr lang="en-US" dirty="0" smtClean="0"/>
-              <a:t>project for Automate All the Anganwadi services. Through this system conducting regular quick surveys of all families, organizing pre-school activities, providing health and nutrition education to families, especially pregnant women, organizing social awareness programmes, and identifying and provide scholarship for handicaped childrens.</a:t>
+              <a:t>    Integrated child development services(ICDS) is a government program in India which provide food,preschool education, primary health care,immunization,health check-up and other services. This scheme was launched in 1975.Aganavadi Management System is a android project for Automate All the Anganwadi services. Through this system conducting regular quick surveys of all families, organizing pre-school activities, providing health and nutrition education to families, organizing social awareness programmes. </a:t>
             </a:r>
             <a:r>
               <a:rPr lang="en-US" b="1" dirty="0" smtClean="0"/>
@@ -3449,7 +3878,7 @@
             </a:r>
             <a:r>
               <a:rPr lang="en-US" dirty="0" smtClean="0"/>
-              <a:t> of the village, visits the centre every month to monitor whether the women, pregnant women and the small children are getting their daily nutrition and education or not. Anganwadi workers are supervised by one supervisor.supervisors visit two anganwadi per day. Health centers provide waxination ,polio, tablet to each anganwdies.Services such as ”GRAMASABHA”announcement,Application like”ANUBANDHA”pensions,”ASWASAKIRANAM” are provided by anganwadi teachers.</a:t>
+              <a:t> of the village, visits the centre every month to monitor whether the women, pregnant women and the small children are getting their daily nutrition and education or not. Anganwadi workers are supervised by one supervisor. Health centers provide waxination ,polio, tablet to each anganwdies.Services such as ”GRAMASABHA” announcement are  provided  by  panchayath.</a:t>
             </a:r>
           </a:p>
           <a:p>
@@ -3549,7 +3978,7 @@
             </a:pPr>
             <a:r>
               <a:rPr lang="en-US" sz="1800" dirty="0" smtClean="0"/>
-              <a:t>There are many problems in the existing system of anganwadi automation . The Anganwadi system is mainly managed by the Anganwadi worker. She is a health worker chosen from the community and given 4 months training in health, nutrition and child-care.</a:t>
+              <a:t>There are many problems in the existing system of anganwadies . The Anganwadi system is mainly managed by the Anganwadi worker. She is a health worker chosen from the community and given 4 months training in health, nutrition and child-care.</a:t>
             </a:r>
           </a:p>
           <a:p>
@@ -3565,14 +3994,30 @@
             <a:pPr lvl="0"/>
             <a:r>
               <a:rPr lang="en-US" sz="1800" dirty="0" smtClean="0"/>
-              <a:t>Misuse of food given by government by worker. </a:t>
+              <a:t>Misuse of </a:t>
+            </a:r>
+            <a:r>
+              <a:rPr lang="en-US" sz="1800" dirty="0" smtClean="0"/>
+              <a:t> food </a:t>
+            </a:r>
+            <a:r>
+              <a:rPr lang="en-US" sz="1800" dirty="0" smtClean="0"/>
+              <a:t>given by government by worker. </a:t>
             </a:r>
           </a:p>
           <a:p>
             <a:pPr lvl="0"/>
             <a:r>
               <a:rPr lang="en-US" sz="1800" dirty="0" smtClean="0"/>
-              <a:t>Government is spending a huge amount for welfare of children, but If see the position of anganwadi’s in some villages, it is evident that this money is eaten away by people in between</a:t>
+              <a:t>Government is spending a huge amount </a:t>
+            </a:r>
+            <a:r>
+              <a:rPr lang="en-US" sz="1800" dirty="0" smtClean="0"/>
+              <a:t> for  </a:t>
+            </a:r>
+            <a:r>
+              <a:rPr lang="en-US" sz="1800" dirty="0" smtClean="0"/>
+              <a:t>welfare of children, but If see the position of anganwadi’s  in some villages, it is evident that this money  is  eaten away  by people in between.</a:t>
             </a:r>
           </a:p>
           <a:p>
@@ -3689,7 +4134,7 @@
         </p:spPr>
         <p:txBody>
           <a:bodyPr>
-            <a:normAutofit fontScale="92500" lnSpcReduction="20000"/>
+            <a:normAutofit/>
           </a:bodyPr>
           <a:lstStyle/>
           <a:p>
@@ -3698,7 +4143,7 @@
             </a:pPr>
             <a:r>
               <a:rPr lang="en-US" sz="1900" dirty="0" smtClean="0"/>
-              <a:t>The Ministry of Women Development and Child Welfare has laid down guidelines for the responsibilities of Anganwadi workers. These guidelines include showing community support and active participation in executing this program, conducting regular quick surveys of all families, organizing pre-school activities, providing health and nutrition education to families, especially pregnant women, motivating families to adopt family planning, educating parents about child growth and development, assisting in the implementation and execution of Kishori Shakti Yojana, educating teenage girls and parents by organizing social awareness programs, and identifying disabilities in children.</a:t>
+              <a:t>The Ministry of Women Development and Child Welfare has laid down guidelines for the responsibilities of Anganwadi workers. These guidelines include showing community support and active participation in executing this program, conducting regular quick surveys of all families, organizing pre-school activities, providing health and nutrition education to families, educating teenage girls and parents by organizing social awareness programs.</a:t>
             </a:r>
           </a:p>
           <a:p>
@@ -3707,7 +4152,7 @@
             </a:pPr>
             <a:r>
               <a:rPr lang="en-US" sz="1900" dirty="0" smtClean="0"/>
-              <a:t>Despite decades of impressive growth, India has an acute shortage of doctors. The doctor population ratio in 2013 was 1:1800; the recommended level is 1:1000. Through the Anganwadi system, the country is trying to meet its goal of providing affordable and accessible healthcare to local populations.</a:t>
+              <a:t>Through the Anganwadi system, the country is trying to meet its goal of providing affordable and accessible healthcare to local populations.</a:t>
             </a:r>
           </a:p>
           <a:p>
@@ -3716,7 +4161,7 @@
             </a:pPr>
             <a:r>
               <a:rPr lang="en-US" sz="1900" dirty="0" smtClean="0"/>
-              <a:t>Anganwadi workers have the advantage over the physicians living in the same rural area, which gives them insight into the state of health in the locality and assists in identifying the cause of problems and in countering them. They also have better social skills and can therefore more easily interact with the local people. As locals, they know and are comfortable with the local language and ways, are acquainted with the people, and are trusted.</a:t>
+              <a:t>Anganwadi workers have the advantage over the physicians living in the same rural area, which gives them insight into the state of health in the locality and assists in identifying the cause of problems and in countering them. They also have better social skills and can therefore more easily interact with the local people. As locals, they know and are comfortable with the local  language and ways, are acquainted with the people, and are trusted.</a:t>
             </a:r>
           </a:p>
           <a:p>
@@ -4081,11 +4526,15 @@
             <a:pPr lvl="0"/>
             <a:r>
               <a:rPr lang="en-US" sz="1800" dirty="0" smtClean="0"/>
-              <a:t>Web Server	                : </a:t>
+              <a:t>Front </a:t>
             </a:r>
             <a:r>
               <a:rPr lang="en-US" sz="1800" dirty="0" smtClean="0"/>
-              <a:t>Xamp</a:t>
+              <a:t>End		</a:t>
+            </a:r>
+            <a:r>
+              <a:rPr lang="en-US" sz="1800" dirty="0" smtClean="0"/>
+              <a:t>: Android</a:t>
             </a:r>
             <a:endParaRPr lang="en-US" sz="1800" dirty="0" smtClean="0"/>
           </a:p>
@@ -4093,26 +4542,24 @@
             <a:pPr lvl="0"/>
             <a:r>
               <a:rPr lang="en-US" sz="1800" dirty="0" smtClean="0"/>
-              <a:t>Front End		:Android</a:t>
+              <a:t>Back End		:  My SQL , PHP</a:t>
+            </a:r>
+          </a:p>
+          <a:p>
+            <a:r>
+              <a:rPr lang="en-US" sz="1800" dirty="0" smtClean="0"/>
+              <a:t>Web Server	                : Xamp</a:t>
             </a:r>
           </a:p>
           <a:p>
             <a:pPr lvl="0"/>
             <a:r>
               <a:rPr lang="en-US" sz="1800" dirty="0" smtClean="0"/>
-              <a:t>Back End		:  My SQL </a:t>
+              <a:t>IDE</a:t>
             </a:r>
             <a:r>
               <a:rPr lang="en-US" sz="1800" dirty="0" smtClean="0"/>
-              <a:t>, PHP</a:t>
-            </a:r>
-            <a:endParaRPr lang="en-US" sz="1800" dirty="0" smtClean="0"/>
-          </a:p>
-          <a:p>
-            <a:pPr lvl="0"/>
-            <a:r>
-              <a:rPr lang="en-US" sz="1800" dirty="0" smtClean="0"/>
-              <a:t>IDE			:  Android Studio</a:t>
+              <a:t>			:  Android Studio</a:t>
             </a:r>
             <a:endParaRPr lang="en-US" sz="1800" dirty="0"/>
           </a:p>
@@ -4187,6 +4634,43 @@
       </p:grpSpPr>
       <p:sp>
         <p:nvSpPr>
+          <p:cNvPr id="2" name="Content Placeholder 1"/>
+          <p:cNvSpPr>
+            <a:spLocks noGrp="1"/>
+          </p:cNvSpPr>
+          <p:nvPr>
+            <p:ph idx="1"/>
+          </p:nvPr>
+        </p:nvSpPr>
+        <p:spPr/>
+        <p:txBody>
+          <a:bodyPr/>
+          <a:lstStyle/>
+          <a:p>
+            <a:pPr>
+              <a:buNone/>
+            </a:pPr>
+            <a:r>
+              <a:rPr lang="en-US" u="sng" dirty="0" smtClean="0"/>
+              <a:t>ANDROID</a:t>
+            </a:r>
+          </a:p>
+          <a:p>
+            <a:pPr>
+              <a:buNone/>
+            </a:pPr>
+            <a:endParaRPr lang="en-US" u="sng" dirty="0" smtClean="0"/>
+          </a:p>
+          <a:p>
+            <a:pPr>
+              <a:buNone/>
+            </a:pPr>
+            <a:endParaRPr lang="en-US" u="sng" dirty="0"/>
+          </a:p>
+        </p:txBody>
+      </p:sp>
+      <p:sp>
+        <p:nvSpPr>
           <p:cNvPr id="3" name="Title 2"/>
           <p:cNvSpPr>
             <a:spLocks noGrp="1"/>
@@ -4195,12 +4679,7 @@
             <p:ph type="title"/>
           </p:nvPr>
         </p:nvSpPr>
-        <p:spPr>
-          <a:xfrm>
-            <a:off x="457200" y="152400"/>
-            <a:ext cx="8229600" cy="4633922"/>
-          </a:xfrm>
-        </p:spPr>
+        <p:spPr/>
         <p:txBody>
           <a:bodyPr/>
           <a:lstStyle/>
@@ -4208,26 +4687,16 @@
             <a:r>
               <a:rPr smtClean="0">
                 <a:solidFill>
-                  <a:schemeClr val="accent2">
+                  <a:schemeClr val="tx2">
                     <a:lumMod val="50000"/>
                   </a:schemeClr>
                 </a:solidFill>
               </a:rPr>
-              <a:t>                                        </a:t>
-            </a:r>
-            <a:r>
-              <a:rPr sz="4500" smtClean="0">
-                <a:solidFill>
-                  <a:schemeClr val="accent2">
-                    <a:lumMod val="50000"/>
-                  </a:schemeClr>
-                </a:solidFill>
-              </a:rPr>
-              <a:t>THANK YOU</a:t>
-            </a:r>
-            <a:endParaRPr lang="en-US" sz="4500" dirty="0">
+              <a:t>SCREEN SHOTS</a:t>
+            </a:r>
+            <a:endParaRPr lang="en-US" dirty="0">
               <a:solidFill>
-                <a:schemeClr val="accent2">
+                <a:schemeClr val="tx2">
                   <a:lumMod val="50000"/>
                 </a:schemeClr>
               </a:solidFill>
@@ -4235,18 +4704,275 @@
           </a:p>
         </p:txBody>
       </p:sp>
+      <p:pic>
+        <p:nvPicPr>
+          <p:cNvPr id="15" name="Picture 14" descr="101.jpeg"/>
+          <p:cNvPicPr>
+            <a:picLocks noChangeAspect="1"/>
+          </p:cNvPicPr>
+          <p:nvPr/>
+        </p:nvPicPr>
+        <p:blipFill>
+          <a:blip r:embed="rId2"/>
+          <a:stretch>
+            <a:fillRect/>
+          </a:stretch>
+        </p:blipFill>
+        <p:spPr>
+          <a:xfrm>
+            <a:off x="571472" y="2214554"/>
+            <a:ext cx="2214578" cy="4000528"/>
+          </a:xfrm>
+          <a:prstGeom prst="rect">
+            <a:avLst/>
+          </a:prstGeom>
+        </p:spPr>
+      </p:pic>
+      <p:pic>
+        <p:nvPicPr>
+          <p:cNvPr id="16" name="Picture 15" descr="102.jpeg"/>
+          <p:cNvPicPr>
+            <a:picLocks noChangeAspect="1"/>
+          </p:cNvPicPr>
+          <p:nvPr/>
+        </p:nvPicPr>
+        <p:blipFill>
+          <a:blip r:embed="rId3"/>
+          <a:stretch>
+            <a:fillRect/>
+          </a:stretch>
+        </p:blipFill>
+        <p:spPr>
+          <a:xfrm>
+            <a:off x="3071803" y="2214554"/>
+            <a:ext cx="2357454" cy="4000528"/>
+          </a:xfrm>
+          <a:prstGeom prst="rect">
+            <a:avLst/>
+          </a:prstGeom>
+        </p:spPr>
+      </p:pic>
+      <p:pic>
+        <p:nvPicPr>
+          <p:cNvPr id="17" name="Picture 16" descr="103.jpeg"/>
+          <p:cNvPicPr>
+            <a:picLocks noChangeAspect="1"/>
+          </p:cNvPicPr>
+          <p:nvPr/>
+        </p:nvPicPr>
+        <p:blipFill>
+          <a:blip r:embed="rId4"/>
+          <a:stretch>
+            <a:fillRect/>
+          </a:stretch>
+        </p:blipFill>
+        <p:spPr>
+          <a:xfrm>
+            <a:off x="5857884" y="2143116"/>
+            <a:ext cx="2438025" cy="4143404"/>
+          </a:xfrm>
+          <a:prstGeom prst="rect">
+            <a:avLst/>
+          </a:prstGeom>
+        </p:spPr>
+      </p:pic>
     </p:spTree>
   </p:cSld>
   <p:clrMapOvr>
     <a:masterClrMapping/>
   </p:clrMapOvr>
-  <p:timing>
-    <p:tnLst>
-      <p:par>
-        <p:cTn id="1" dur="indefinite" restart="never" nodeType="tmRoot"/>
-      </p:par>
-    </p:tnLst>
-  </p:timing>
+</p:sld>
+</file>
+
+<file path=ppt/slides/slide8.xml><?xml version="1.0" encoding="utf-8"?>
+<p:sld xmlns:a="http://schemas.openxmlformats.org/drawingml/2006/main" xmlns:r="http://schemas.openxmlformats.org/officeDocument/2006/relationships" xmlns:p="http://schemas.openxmlformats.org/presentationml/2006/main">
+  <p:cSld>
+    <p:spTree>
+      <p:nvGrpSpPr>
+        <p:cNvPr id="1" name=""/>
+        <p:cNvGrpSpPr/>
+        <p:nvPr/>
+      </p:nvGrpSpPr>
+      <p:grpSpPr>
+        <a:xfrm>
+          <a:off x="0" y="0"/>
+          <a:ext cx="0" cy="0"/>
+          <a:chOff x="0" y="0"/>
+          <a:chExt cx="0" cy="0"/>
+        </a:xfrm>
+      </p:grpSpPr>
+      <p:pic>
+        <p:nvPicPr>
+          <p:cNvPr id="4" name="Content Placeholder 3" descr="104.jpeg"/>
+          <p:cNvPicPr>
+            <a:picLocks noGrp="1" noChangeAspect="1"/>
+          </p:cNvPicPr>
+          <p:nvPr>
+            <p:ph idx="1"/>
+          </p:nvPr>
+        </p:nvPicPr>
+        <p:blipFill>
+          <a:blip r:embed="rId2"/>
+          <a:stretch>
+            <a:fillRect/>
+          </a:stretch>
+        </p:blipFill>
+        <p:spPr>
+          <a:xfrm>
+            <a:off x="428596" y="714356"/>
+            <a:ext cx="2428892" cy="4738702"/>
+          </a:xfrm>
+        </p:spPr>
+      </p:pic>
+      <p:pic>
+        <p:nvPicPr>
+          <p:cNvPr id="5" name="Picture 4" descr="105.jpeg"/>
+          <p:cNvPicPr>
+            <a:picLocks noChangeAspect="1"/>
+          </p:cNvPicPr>
+          <p:nvPr/>
+        </p:nvPicPr>
+        <p:blipFill>
+          <a:blip r:embed="rId3"/>
+          <a:stretch>
+            <a:fillRect/>
+          </a:stretch>
+        </p:blipFill>
+        <p:spPr>
+          <a:xfrm>
+            <a:off x="3143240" y="642918"/>
+            <a:ext cx="2509463" cy="4714908"/>
+          </a:xfrm>
+          <a:prstGeom prst="rect">
+            <a:avLst/>
+          </a:prstGeom>
+        </p:spPr>
+      </p:pic>
+      <p:pic>
+        <p:nvPicPr>
+          <p:cNvPr id="6" name="Picture 5" descr="106.jpeg"/>
+          <p:cNvPicPr>
+            <a:picLocks noChangeAspect="1"/>
+          </p:cNvPicPr>
+          <p:nvPr/>
+        </p:nvPicPr>
+        <p:blipFill>
+          <a:blip r:embed="rId4"/>
+          <a:stretch>
+            <a:fillRect/>
+          </a:stretch>
+        </p:blipFill>
+        <p:spPr>
+          <a:xfrm>
+            <a:off x="5929322" y="714356"/>
+            <a:ext cx="2875786" cy="4714908"/>
+          </a:xfrm>
+          <a:prstGeom prst="rect">
+            <a:avLst/>
+          </a:prstGeom>
+        </p:spPr>
+      </p:pic>
+    </p:spTree>
+  </p:cSld>
+  <p:clrMapOvr>
+    <a:masterClrMapping/>
+  </p:clrMapOvr>
+</p:sld>
+</file>
+
+<file path=ppt/slides/slide9.xml><?xml version="1.0" encoding="utf-8"?>
+<p:sld xmlns:a="http://schemas.openxmlformats.org/drawingml/2006/main" xmlns:r="http://schemas.openxmlformats.org/officeDocument/2006/relationships" xmlns:p="http://schemas.openxmlformats.org/presentationml/2006/main">
+  <p:cSld>
+    <p:spTree>
+      <p:nvGrpSpPr>
+        <p:cNvPr id="1" name=""/>
+        <p:cNvGrpSpPr/>
+        <p:nvPr/>
+      </p:nvGrpSpPr>
+      <p:grpSpPr>
+        <a:xfrm>
+          <a:off x="0" y="0"/>
+          <a:ext cx="0" cy="0"/>
+          <a:chOff x="0" y="0"/>
+          <a:chExt cx="0" cy="0"/>
+        </a:xfrm>
+      </p:grpSpPr>
+      <p:pic>
+        <p:nvPicPr>
+          <p:cNvPr id="5" name="Content Placeholder 4" descr="107.jpeg"/>
+          <p:cNvPicPr>
+            <a:picLocks noGrp="1" noChangeAspect="1"/>
+          </p:cNvPicPr>
+          <p:nvPr>
+            <p:ph idx="1"/>
+          </p:nvPr>
+        </p:nvPicPr>
+        <p:blipFill>
+          <a:blip r:embed="rId2"/>
+          <a:stretch>
+            <a:fillRect/>
+          </a:stretch>
+        </p:blipFill>
+        <p:spPr>
+          <a:xfrm>
+            <a:off x="428596" y="642918"/>
+            <a:ext cx="2500330" cy="5357829"/>
+          </a:xfrm>
+        </p:spPr>
+      </p:pic>
+      <p:pic>
+        <p:nvPicPr>
+          <p:cNvPr id="6" name="Picture 5" descr="108.jpeg"/>
+          <p:cNvPicPr>
+            <a:picLocks noChangeAspect="1"/>
+          </p:cNvPicPr>
+          <p:nvPr/>
+        </p:nvPicPr>
+        <p:blipFill>
+          <a:blip r:embed="rId3"/>
+          <a:stretch>
+            <a:fillRect/>
+          </a:stretch>
+        </p:blipFill>
+        <p:spPr>
+          <a:xfrm>
+            <a:off x="3214678" y="642918"/>
+            <a:ext cx="2580901" cy="5429288"/>
+          </a:xfrm>
+          <a:prstGeom prst="rect">
+            <a:avLst/>
+          </a:prstGeom>
+        </p:spPr>
+      </p:pic>
+      <p:pic>
+        <p:nvPicPr>
+          <p:cNvPr id="7" name="Picture 6" descr="109.jpeg"/>
+          <p:cNvPicPr>
+            <a:picLocks noChangeAspect="1"/>
+          </p:cNvPicPr>
+          <p:nvPr/>
+        </p:nvPicPr>
+        <p:blipFill>
+          <a:blip r:embed="rId4"/>
+          <a:stretch>
+            <a:fillRect/>
+          </a:stretch>
+        </p:blipFill>
+        <p:spPr>
+          <a:xfrm>
+            <a:off x="6000760" y="714356"/>
+            <a:ext cx="2714644" cy="5357850"/>
+          </a:xfrm>
+          <a:prstGeom prst="rect">
+            <a:avLst/>
+          </a:prstGeom>
+        </p:spPr>
+      </p:pic>
+    </p:spTree>
+  </p:cSld>
+  <p:clrMapOvr>
+    <a:masterClrMapping/>
+  </p:clrMapOvr>
 </p:sld>
 </file>
 
